--- a/figs/Presentation1.pptx
+++ b/figs/Presentation1.pptx
@@ -3242,7 +3242,7 @@
           <a:p>
             <a:fld id="{15164F18-C8F3-CB47-B564-8DB8FBCF2224}" type="datetimeFigureOut">
               <a:rPr lang="en-US" smtClean="0"/>
-              <a:t>11/15/17</a:t>
+              <a:t>12/5/17</a:t>
             </a:fld>
             <a:endParaRPr lang="en-US"/>
           </a:p>
@@ -3412,7 +3412,7 @@
           <a:p>
             <a:fld id="{15164F18-C8F3-CB47-B564-8DB8FBCF2224}" type="datetimeFigureOut">
               <a:rPr lang="en-US" smtClean="0"/>
-              <a:t>11/15/17</a:t>
+              <a:t>12/5/17</a:t>
             </a:fld>
             <a:endParaRPr lang="en-US"/>
           </a:p>
@@ -3592,7 +3592,7 @@
           <a:p>
             <a:fld id="{15164F18-C8F3-CB47-B564-8DB8FBCF2224}" type="datetimeFigureOut">
               <a:rPr lang="en-US" smtClean="0"/>
-              <a:t>11/15/17</a:t>
+              <a:t>12/5/17</a:t>
             </a:fld>
             <a:endParaRPr lang="en-US"/>
           </a:p>
@@ -3762,7 +3762,7 @@
           <a:p>
             <a:fld id="{15164F18-C8F3-CB47-B564-8DB8FBCF2224}" type="datetimeFigureOut">
               <a:rPr lang="en-US" smtClean="0"/>
-              <a:t>11/15/17</a:t>
+              <a:t>12/5/17</a:t>
             </a:fld>
             <a:endParaRPr lang="en-US"/>
           </a:p>
@@ -4008,7 +4008,7 @@
           <a:p>
             <a:fld id="{15164F18-C8F3-CB47-B564-8DB8FBCF2224}" type="datetimeFigureOut">
               <a:rPr lang="en-US" smtClean="0"/>
-              <a:t>11/15/17</a:t>
+              <a:t>12/5/17</a:t>
             </a:fld>
             <a:endParaRPr lang="en-US"/>
           </a:p>
@@ -4240,7 +4240,7 @@
           <a:p>
             <a:fld id="{15164F18-C8F3-CB47-B564-8DB8FBCF2224}" type="datetimeFigureOut">
               <a:rPr lang="en-US" smtClean="0"/>
-              <a:t>11/15/17</a:t>
+              <a:t>12/5/17</a:t>
             </a:fld>
             <a:endParaRPr lang="en-US"/>
           </a:p>
@@ -4607,7 +4607,7 @@
           <a:p>
             <a:fld id="{15164F18-C8F3-CB47-B564-8DB8FBCF2224}" type="datetimeFigureOut">
               <a:rPr lang="en-US" smtClean="0"/>
-              <a:t>11/15/17</a:t>
+              <a:t>12/5/17</a:t>
             </a:fld>
             <a:endParaRPr lang="en-US"/>
           </a:p>
@@ -4725,7 +4725,7 @@
           <a:p>
             <a:fld id="{15164F18-C8F3-CB47-B564-8DB8FBCF2224}" type="datetimeFigureOut">
               <a:rPr lang="en-US" smtClean="0"/>
-              <a:t>11/15/17</a:t>
+              <a:t>12/5/17</a:t>
             </a:fld>
             <a:endParaRPr lang="en-US"/>
           </a:p>
@@ -4820,7 +4820,7 @@
           <a:p>
             <a:fld id="{15164F18-C8F3-CB47-B564-8DB8FBCF2224}" type="datetimeFigureOut">
               <a:rPr lang="en-US" smtClean="0"/>
-              <a:t>11/15/17</a:t>
+              <a:t>12/5/17</a:t>
             </a:fld>
             <a:endParaRPr lang="en-US"/>
           </a:p>
@@ -5097,7 +5097,7 @@
           <a:p>
             <a:fld id="{15164F18-C8F3-CB47-B564-8DB8FBCF2224}" type="datetimeFigureOut">
               <a:rPr lang="en-US" smtClean="0"/>
-              <a:t>11/15/17</a:t>
+              <a:t>12/5/17</a:t>
             </a:fld>
             <a:endParaRPr lang="en-US"/>
           </a:p>
@@ -5350,7 +5350,7 @@
           <a:p>
             <a:fld id="{15164F18-C8F3-CB47-B564-8DB8FBCF2224}" type="datetimeFigureOut">
               <a:rPr lang="en-US" smtClean="0"/>
-              <a:t>11/15/17</a:t>
+              <a:t>12/5/17</a:t>
             </a:fld>
             <a:endParaRPr lang="en-US"/>
           </a:p>
@@ -5563,7 +5563,7 @@
           <a:p>
             <a:fld id="{15164F18-C8F3-CB47-B564-8DB8FBCF2224}" type="datetimeFigureOut">
               <a:rPr lang="en-US" smtClean="0"/>
-              <a:t>11/15/17</a:t>
+              <a:t>12/5/17</a:t>
             </a:fld>
             <a:endParaRPr lang="en-US"/>
           </a:p>
@@ -8260,13 +8260,15 @@
       <p:cxnSp>
         <p:nvCxnSpPr>
           <p:cNvPr id="46" name="Straight Arrow Connector 45"/>
-          <p:cNvCxnSpPr/>
+          <p:cNvCxnSpPr>
+            <a:endCxn id="54" idx="2"/>
+          </p:cNvCxnSpPr>
           <p:nvPr/>
         </p:nvCxnSpPr>
         <p:spPr>
           <a:xfrm flipV="1">
-            <a:off x="9731115" y="2063146"/>
-            <a:ext cx="449705" cy="666562"/>
+            <a:off x="9731115" y="2134583"/>
+            <a:ext cx="584617" cy="595125"/>
           </a:xfrm>
           <a:prstGeom prst="straightConnector1">
             <a:avLst/>
@@ -8293,13 +8295,15 @@
       <p:cxnSp>
         <p:nvCxnSpPr>
           <p:cNvPr id="47" name="Straight Arrow Connector 46"/>
-          <p:cNvCxnSpPr/>
+          <p:cNvCxnSpPr>
+            <a:endCxn id="2" idx="2"/>
+          </p:cNvCxnSpPr>
           <p:nvPr/>
         </p:nvCxnSpPr>
         <p:spPr>
           <a:xfrm>
             <a:off x="9724870" y="2729708"/>
-            <a:ext cx="455950" cy="476043"/>
+            <a:ext cx="590862" cy="476043"/>
           </a:xfrm>
           <a:prstGeom prst="straightConnector1">
             <a:avLst/>
@@ -8323,94 +8327,6 @@
           </a:fontRef>
         </p:style>
       </p:cxnSp>
-      <p:sp>
-        <p:nvSpPr>
-          <p:cNvPr id="52" name="TextBox 51"/>
-          <p:cNvSpPr txBox="1"/>
-          <p:nvPr/>
-        </p:nvSpPr>
-        <p:spPr>
-          <a:xfrm>
-            <a:off x="10291998" y="1813918"/>
-            <a:ext cx="1252928" cy="369332"/>
-          </a:xfrm>
-          <a:prstGeom prst="rect">
-            <a:avLst/>
-          </a:prstGeom>
-        </p:spPr>
-        <p:style>
-          <a:lnRef idx="2">
-            <a:schemeClr val="accent1"/>
-          </a:lnRef>
-          <a:fillRef idx="1">
-            <a:schemeClr val="lt1"/>
-          </a:fillRef>
-          <a:effectRef idx="0">
-            <a:schemeClr val="accent1"/>
-          </a:effectRef>
-          <a:fontRef idx="minor">
-            <a:schemeClr val="dk1"/>
-          </a:fontRef>
-        </p:style>
-        <p:txBody>
-          <a:bodyPr wrap="square" rtlCol="0">
-            <a:spAutoFit/>
-          </a:bodyPr>
-          <a:lstStyle/>
-          <a:p>
-            <a:pPr algn="ctr"/>
-            <a:r>
-              <a:rPr lang="en-US" smtClean="0"/>
-              <a:t>Normal</a:t>
-            </a:r>
-            <a:endParaRPr lang="en-US" dirty="0"/>
-          </a:p>
-        </p:txBody>
-      </p:sp>
-      <p:sp>
-        <p:nvSpPr>
-          <p:cNvPr id="53" name="TextBox 52"/>
-          <p:cNvSpPr txBox="1"/>
-          <p:nvPr/>
-        </p:nvSpPr>
-        <p:spPr>
-          <a:xfrm>
-            <a:off x="10339466" y="2967729"/>
-            <a:ext cx="1252928" cy="369332"/>
-          </a:xfrm>
-          <a:prstGeom prst="rect">
-            <a:avLst/>
-          </a:prstGeom>
-        </p:spPr>
-        <p:style>
-          <a:lnRef idx="2">
-            <a:schemeClr val="accent1"/>
-          </a:lnRef>
-          <a:fillRef idx="1">
-            <a:schemeClr val="lt1"/>
-          </a:fillRef>
-          <a:effectRef idx="0">
-            <a:schemeClr val="accent1"/>
-          </a:effectRef>
-          <a:fontRef idx="minor">
-            <a:schemeClr val="dk1"/>
-          </a:fontRef>
-        </p:style>
-        <p:txBody>
-          <a:bodyPr wrap="square" rtlCol="0">
-            <a:spAutoFit/>
-          </a:bodyPr>
-          <a:lstStyle/>
-          <a:p>
-            <a:pPr algn="ctr"/>
-            <a:r>
-              <a:rPr lang="en-US" dirty="0" smtClean="0"/>
-              <a:t>Abnormal</a:t>
-            </a:r>
-            <a:endParaRPr lang="en-US" dirty="0"/>
-          </a:p>
-        </p:txBody>
-      </p:sp>
       <p:sp>
         <p:nvSpPr>
           <p:cNvPr id="64" name="Oval 63"/>
@@ -9023,6 +8939,212 @@
           </a:p>
         </p:txBody>
       </p:sp>
+      <p:grpSp>
+        <p:nvGrpSpPr>
+          <p:cNvPr id="9" name="Group 8"/>
+          <p:cNvGrpSpPr/>
+          <p:nvPr/>
+        </p:nvGrpSpPr>
+        <p:grpSpPr>
+          <a:xfrm>
+            <a:off x="10315732" y="2919062"/>
+            <a:ext cx="567128" cy="573377"/>
+            <a:chOff x="10180821" y="764498"/>
+            <a:chExt cx="567128" cy="573377"/>
+          </a:xfrm>
+        </p:grpSpPr>
+        <p:sp>
+          <p:nvSpPr>
+            <p:cNvPr id="2" name="Oval 1"/>
+            <p:cNvSpPr/>
+            <p:nvPr/>
+          </p:nvSpPr>
+          <p:spPr>
+            <a:xfrm>
+              <a:off x="10180821" y="764498"/>
+              <a:ext cx="567128" cy="573377"/>
+            </a:xfrm>
+            <a:prstGeom prst="ellipse">
+              <a:avLst/>
+            </a:prstGeom>
+            <a:noFill/>
+            <a:ln w="28575">
+              <a:solidFill>
+                <a:schemeClr val="accent1"/>
+              </a:solidFill>
+            </a:ln>
+          </p:spPr>
+          <p:style>
+            <a:lnRef idx="2">
+              <a:schemeClr val="accent1">
+                <a:shade val="50000"/>
+              </a:schemeClr>
+            </a:lnRef>
+            <a:fillRef idx="1">
+              <a:schemeClr val="accent1"/>
+            </a:fillRef>
+            <a:effectRef idx="0">
+              <a:schemeClr val="accent1"/>
+            </a:effectRef>
+            <a:fontRef idx="minor">
+              <a:schemeClr val="lt1"/>
+            </a:fontRef>
+          </p:style>
+          <p:txBody>
+            <a:bodyPr rtlCol="0" anchor="ctr"/>
+            <a:lstStyle/>
+            <a:p>
+              <a:pPr algn="ctr"/>
+              <a:endParaRPr lang="en-US">
+                <a:latin typeface="Cambria" charset="0"/>
+                <a:ea typeface="Cambria" charset="0"/>
+                <a:cs typeface="Cambria" charset="0"/>
+              </a:endParaRPr>
+            </a:p>
+          </p:txBody>
+        </p:sp>
+        <p:sp>
+          <p:nvSpPr>
+            <p:cNvPr id="6" name="TextBox 5"/>
+            <p:cNvSpPr txBox="1"/>
+            <p:nvPr/>
+          </p:nvSpPr>
+          <p:spPr>
+            <a:xfrm>
+              <a:off x="10305114" y="881510"/>
+              <a:ext cx="408482" cy="369332"/>
+            </a:xfrm>
+            <a:prstGeom prst="rect">
+              <a:avLst/>
+            </a:prstGeom>
+            <a:noFill/>
+          </p:spPr>
+          <p:txBody>
+            <a:bodyPr wrap="square" rtlCol="0">
+              <a:spAutoFit/>
+            </a:bodyPr>
+            <a:lstStyle/>
+            <a:p>
+              <a:r>
+                <a:rPr lang="en-US" dirty="0" smtClean="0">
+                  <a:latin typeface="Cambria" charset="0"/>
+                  <a:ea typeface="Cambria" charset="0"/>
+                  <a:cs typeface="Cambria" charset="0"/>
+                </a:rPr>
+                <a:t>N</a:t>
+              </a:r>
+              <a:endParaRPr lang="en-US" dirty="0">
+                <a:latin typeface="Cambria" charset="0"/>
+                <a:ea typeface="Cambria" charset="0"/>
+                <a:cs typeface="Cambria" charset="0"/>
+              </a:endParaRPr>
+            </a:p>
+          </p:txBody>
+        </p:sp>
+      </p:grpSp>
+      <p:grpSp>
+        <p:nvGrpSpPr>
+          <p:cNvPr id="51" name="Group 50"/>
+          <p:cNvGrpSpPr/>
+          <p:nvPr/>
+        </p:nvGrpSpPr>
+        <p:grpSpPr>
+          <a:xfrm>
+            <a:off x="10315732" y="1847894"/>
+            <a:ext cx="567128" cy="573377"/>
+            <a:chOff x="10180821" y="764498"/>
+            <a:chExt cx="567128" cy="573377"/>
+          </a:xfrm>
+        </p:grpSpPr>
+        <p:sp>
+          <p:nvSpPr>
+            <p:cNvPr id="54" name="Oval 53"/>
+            <p:cNvSpPr/>
+            <p:nvPr/>
+          </p:nvSpPr>
+          <p:spPr>
+            <a:xfrm>
+              <a:off x="10180821" y="764498"/>
+              <a:ext cx="567128" cy="573377"/>
+            </a:xfrm>
+            <a:prstGeom prst="ellipse">
+              <a:avLst/>
+            </a:prstGeom>
+            <a:noFill/>
+            <a:ln w="28575">
+              <a:solidFill>
+                <a:schemeClr val="accent1"/>
+              </a:solidFill>
+            </a:ln>
+          </p:spPr>
+          <p:style>
+            <a:lnRef idx="2">
+              <a:schemeClr val="accent1">
+                <a:shade val="50000"/>
+              </a:schemeClr>
+            </a:lnRef>
+            <a:fillRef idx="1">
+              <a:schemeClr val="accent1"/>
+            </a:fillRef>
+            <a:effectRef idx="0">
+              <a:schemeClr val="accent1"/>
+            </a:effectRef>
+            <a:fontRef idx="minor">
+              <a:schemeClr val="lt1"/>
+            </a:fontRef>
+          </p:style>
+          <p:txBody>
+            <a:bodyPr rtlCol="0" anchor="ctr"/>
+            <a:lstStyle/>
+            <a:p>
+              <a:pPr algn="ctr"/>
+              <a:endParaRPr lang="en-US">
+                <a:latin typeface="Cambria" charset="0"/>
+                <a:ea typeface="Cambria" charset="0"/>
+                <a:cs typeface="Cambria" charset="0"/>
+              </a:endParaRPr>
+            </a:p>
+          </p:txBody>
+        </p:sp>
+        <p:sp>
+          <p:nvSpPr>
+            <p:cNvPr id="55" name="TextBox 54"/>
+            <p:cNvSpPr txBox="1"/>
+            <p:nvPr/>
+          </p:nvSpPr>
+          <p:spPr>
+            <a:xfrm>
+              <a:off x="10305114" y="881510"/>
+              <a:ext cx="408482" cy="369332"/>
+            </a:xfrm>
+            <a:prstGeom prst="rect">
+              <a:avLst/>
+            </a:prstGeom>
+            <a:noFill/>
+          </p:spPr>
+          <p:txBody>
+            <a:bodyPr wrap="square" rtlCol="0">
+              <a:spAutoFit/>
+            </a:bodyPr>
+            <a:lstStyle/>
+            <a:p>
+              <a:r>
+                <a:rPr lang="en-US" dirty="0">
+                  <a:latin typeface="Cambria" charset="0"/>
+                  <a:ea typeface="Cambria" charset="0"/>
+                  <a:cs typeface="Cambria" charset="0"/>
+                </a:rPr>
+                <a:t>A</a:t>
+              </a:r>
+              <a:endParaRPr lang="en-US" dirty="0">
+                <a:latin typeface="Cambria" charset="0"/>
+                <a:ea typeface="Cambria" charset="0"/>
+                <a:cs typeface="Cambria" charset="0"/>
+              </a:endParaRPr>
+            </a:p>
+          </p:txBody>
+        </p:sp>
+      </p:grpSp>
     </p:spTree>
     <p:extLst>
       <p:ext uri="{BB962C8B-B14F-4D97-AF65-F5344CB8AC3E}">
